--- a/slides/01-introduction-end-to-end-analytic.pptx
+++ b/slides/01-introduction-end-to-end-analytic.pptx
@@ -214,7 +214,7 @@
           <a:p>
             <a:fld id="{DCBAB905-4A17-4C59-B503-877828FB4C10}" type="datetimeFigureOut">
               <a:rPr lang="nb-NO" smtClean="0"/>
-              <a:t>20.02.2026</a:t>
+              <a:t>24.02.2026</a:t>
             </a:fld>
             <a:endParaRPr lang="nb-NO"/>
           </a:p>
@@ -1350,7 +1350,7 @@
           <a:p>
             <a:fld id="{B927FC00-9BC0-4D7A-9885-363517CB8709}" type="datetimeFigureOut">
               <a:rPr lang="nb-NO" smtClean="0"/>
-              <a:t>20.02.2026</a:t>
+              <a:t>24.02.2026</a:t>
             </a:fld>
             <a:endParaRPr lang="nb-NO"/>
           </a:p>
@@ -1520,7 +1520,7 @@
           <a:p>
             <a:fld id="{B927FC00-9BC0-4D7A-9885-363517CB8709}" type="datetimeFigureOut">
               <a:rPr lang="nb-NO" smtClean="0"/>
-              <a:t>20.02.2026</a:t>
+              <a:t>24.02.2026</a:t>
             </a:fld>
             <a:endParaRPr lang="nb-NO"/>
           </a:p>
@@ -1700,7 +1700,7 @@
           <a:p>
             <a:fld id="{B927FC00-9BC0-4D7A-9885-363517CB8709}" type="datetimeFigureOut">
               <a:rPr lang="nb-NO" smtClean="0"/>
-              <a:t>20.02.2026</a:t>
+              <a:t>24.02.2026</a:t>
             </a:fld>
             <a:endParaRPr lang="nb-NO"/>
           </a:p>
@@ -1870,7 +1870,7 @@
           <a:p>
             <a:fld id="{B927FC00-9BC0-4D7A-9885-363517CB8709}" type="datetimeFigureOut">
               <a:rPr lang="nb-NO" smtClean="0"/>
-              <a:t>20.02.2026</a:t>
+              <a:t>24.02.2026</a:t>
             </a:fld>
             <a:endParaRPr lang="nb-NO"/>
           </a:p>
@@ -2116,7 +2116,7 @@
           <a:p>
             <a:fld id="{B927FC00-9BC0-4D7A-9885-363517CB8709}" type="datetimeFigureOut">
               <a:rPr lang="nb-NO" smtClean="0"/>
-              <a:t>20.02.2026</a:t>
+              <a:t>24.02.2026</a:t>
             </a:fld>
             <a:endParaRPr lang="nb-NO"/>
           </a:p>
@@ -2348,7 +2348,7 @@
           <a:p>
             <a:fld id="{B927FC00-9BC0-4D7A-9885-363517CB8709}" type="datetimeFigureOut">
               <a:rPr lang="nb-NO" smtClean="0"/>
-              <a:t>20.02.2026</a:t>
+              <a:t>24.02.2026</a:t>
             </a:fld>
             <a:endParaRPr lang="nb-NO"/>
           </a:p>
@@ -2715,7 +2715,7 @@
           <a:p>
             <a:fld id="{B927FC00-9BC0-4D7A-9885-363517CB8709}" type="datetimeFigureOut">
               <a:rPr lang="nb-NO" smtClean="0"/>
-              <a:t>20.02.2026</a:t>
+              <a:t>24.02.2026</a:t>
             </a:fld>
             <a:endParaRPr lang="nb-NO"/>
           </a:p>
@@ -2833,7 +2833,7 @@
           <a:p>
             <a:fld id="{B927FC00-9BC0-4D7A-9885-363517CB8709}" type="datetimeFigureOut">
               <a:rPr lang="nb-NO" smtClean="0"/>
-              <a:t>20.02.2026</a:t>
+              <a:t>24.02.2026</a:t>
             </a:fld>
             <a:endParaRPr lang="nb-NO"/>
           </a:p>
@@ -2928,7 +2928,7 @@
           <a:p>
             <a:fld id="{B927FC00-9BC0-4D7A-9885-363517CB8709}" type="datetimeFigureOut">
               <a:rPr lang="nb-NO" smtClean="0"/>
-              <a:t>20.02.2026</a:t>
+              <a:t>24.02.2026</a:t>
             </a:fld>
             <a:endParaRPr lang="nb-NO"/>
           </a:p>
@@ -3205,7 +3205,7 @@
           <a:p>
             <a:fld id="{B927FC00-9BC0-4D7A-9885-363517CB8709}" type="datetimeFigureOut">
               <a:rPr lang="nb-NO" smtClean="0"/>
-              <a:t>20.02.2026</a:t>
+              <a:t>24.02.2026</a:t>
             </a:fld>
             <a:endParaRPr lang="nb-NO"/>
           </a:p>
@@ -3462,7 +3462,7 @@
           <a:p>
             <a:fld id="{B927FC00-9BC0-4D7A-9885-363517CB8709}" type="datetimeFigureOut">
               <a:rPr lang="nb-NO" smtClean="0"/>
-              <a:t>20.02.2026</a:t>
+              <a:t>24.02.2026</a:t>
             </a:fld>
             <a:endParaRPr lang="nb-NO"/>
           </a:p>
@@ -3675,7 +3675,7 @@
           <a:p>
             <a:fld id="{B927FC00-9BC0-4D7A-9885-363517CB8709}" type="datetimeFigureOut">
               <a:rPr lang="nb-NO" smtClean="0"/>
-              <a:t>20.02.2026</a:t>
+              <a:t>24.02.2026</a:t>
             </a:fld>
             <a:endParaRPr lang="nb-NO"/>
           </a:p>
@@ -6350,7 +6350,7 @@
         <p:spPr/>
         <p:txBody>
           <a:bodyPr>
-            <a:normAutofit lnSpcReduction="10000"/>
+            <a:normAutofit/>
           </a:bodyPr>
           <a:lstStyle/>
           <a:p>
@@ -6376,13 +6376,6 @@
             <a:r>
               <a:rPr lang="nb-NO" dirty="0"/>
               <a:t> er ikke i produksjon </a:t>
-            </a:r>
-          </a:p>
-          <a:p>
-            <a:pPr lvl="1"/>
-            <a:r>
-              <a:rPr lang="nb-NO" dirty="0"/>
-              <a:t>Kan foreløpig benyttes til anonymiserte/analyserelaterte formål</a:t>
             </a:r>
           </a:p>
           <a:p>
